--- a/Filer/Demonstration.pptx
+++ b/Filer/Demonstration.pptx
@@ -3314,6 +3314,17 @@
 <file path=ppt/slides/slide1.xml><?xml version="1.0" encoding="utf-8"?>
 <p:sld xmlns:a="http://schemas.openxmlformats.org/drawingml/2006/main" xmlns:r="http://schemas.openxmlformats.org/officeDocument/2006/relationships" xmlns:p="http://schemas.openxmlformats.org/presentationml/2006/main">
   <p:cSld>
+    <p:bg>
+      <p:bgPr>
+        <a:solidFill>
+          <a:schemeClr val="accent6">
+            <a:lumMod val="40000"/>
+            <a:lumOff val="60000"/>
+          </a:schemeClr>
+        </a:solidFill>
+        <a:effectLst/>
+      </p:bgPr>
+    </p:bg>
     <p:spTree>
       <p:nvGrpSpPr>
         <p:cNvPr id="1" name=""/>
@@ -3437,6 +3448,17 @@
 <file path=ppt/slides/slide2.xml><?xml version="1.0" encoding="utf-8"?>
 <p:sld xmlns:a="http://schemas.openxmlformats.org/drawingml/2006/main" xmlns:r="http://schemas.openxmlformats.org/officeDocument/2006/relationships" xmlns:p="http://schemas.openxmlformats.org/presentationml/2006/main">
   <p:cSld>
+    <p:bg>
+      <p:bgPr>
+        <a:solidFill>
+          <a:schemeClr val="accent6">
+            <a:lumMod val="40000"/>
+            <a:lumOff val="60000"/>
+          </a:schemeClr>
+        </a:solidFill>
+        <a:effectLst/>
+      </p:bgPr>
+    </p:bg>
     <p:spTree>
       <p:nvGrpSpPr>
         <p:cNvPr id="1" name=""/>
@@ -3670,6 +3692,17 @@
 <file path=ppt/slides/slide3.xml><?xml version="1.0" encoding="utf-8"?>
 <p:sld xmlns:a="http://schemas.openxmlformats.org/drawingml/2006/main" xmlns:r="http://schemas.openxmlformats.org/officeDocument/2006/relationships" xmlns:p="http://schemas.openxmlformats.org/presentationml/2006/main">
   <p:cSld>
+    <p:bg>
+      <p:bgPr>
+        <a:solidFill>
+          <a:schemeClr val="accent5">
+            <a:lumMod val="40000"/>
+            <a:lumOff val="60000"/>
+          </a:schemeClr>
+        </a:solidFill>
+        <a:effectLst/>
+      </p:bgPr>
+    </p:bg>
     <p:spTree>
       <p:nvGrpSpPr>
         <p:cNvPr id="1" name=""/>
@@ -3786,6 +3819,17 @@
 <file path=ppt/slides/slide4.xml><?xml version="1.0" encoding="utf-8"?>
 <p:sld xmlns:a="http://schemas.openxmlformats.org/drawingml/2006/main" xmlns:r="http://schemas.openxmlformats.org/officeDocument/2006/relationships" xmlns:p="http://schemas.openxmlformats.org/presentationml/2006/main">
   <p:cSld>
+    <p:bg>
+      <p:bgPr>
+        <a:solidFill>
+          <a:schemeClr val="accent5">
+            <a:lumMod val="40000"/>
+            <a:lumOff val="60000"/>
+          </a:schemeClr>
+        </a:solidFill>
+        <a:effectLst/>
+      </p:bgPr>
+    </p:bg>
     <p:spTree>
       <p:nvGrpSpPr>
         <p:cNvPr id="1" name=""/>
@@ -3921,7 +3965,7 @@
             </a:pPr>
             <a:r>
               <a:rPr lang="da-DK"/>
-              <a:t>Opret nt komponent.</a:t>
+              <a:t>Opret nyt komponent.</a:t>
             </a:r>
           </a:p>
         </p:txBody>
@@ -3942,6 +3986,17 @@
 <file path=ppt/slides/slide5.xml><?xml version="1.0" encoding="utf-8"?>
 <p:sld xmlns:a="http://schemas.openxmlformats.org/drawingml/2006/main" xmlns:r="http://schemas.openxmlformats.org/officeDocument/2006/relationships" xmlns:p="http://schemas.openxmlformats.org/presentationml/2006/main">
   <p:cSld>
+    <p:bg>
+      <p:bgPr>
+        <a:solidFill>
+          <a:schemeClr val="accent5">
+            <a:lumMod val="40000"/>
+            <a:lumOff val="60000"/>
+          </a:schemeClr>
+        </a:solidFill>
+        <a:effectLst/>
+      </p:bgPr>
+    </p:bg>
     <p:spTree>
       <p:nvGrpSpPr>
         <p:cNvPr id="1" name=""/>
@@ -4037,7 +4092,7 @@
           </a:stretch>
         </p:blipFill>
         <p:spPr>
-          <a:xfrm flipV="1">
+          <a:xfrm>
             <a:off x="1066800" y="5375126"/>
             <a:ext cx="4766126" cy="486663"/>
           </a:xfrm>
@@ -4142,6 +4197,17 @@
 <file path=ppt/slides/slide6.xml><?xml version="1.0" encoding="utf-8"?>
 <p:sld xmlns:a="http://schemas.openxmlformats.org/drawingml/2006/main" xmlns:r="http://schemas.openxmlformats.org/officeDocument/2006/relationships" xmlns:p="http://schemas.openxmlformats.org/presentationml/2006/main">
   <p:cSld>
+    <p:bg>
+      <p:bgPr>
+        <a:solidFill>
+          <a:schemeClr val="accent2">
+            <a:lumMod val="40000"/>
+            <a:lumOff val="60000"/>
+          </a:schemeClr>
+        </a:solidFill>
+        <a:effectLst/>
+      </p:bgPr>
+    </p:bg>
     <p:spTree>
       <p:nvGrpSpPr>
         <p:cNvPr id="1" name=""/>
@@ -4275,6 +4341,17 @@
 <file path=ppt/slides/slide7.xml><?xml version="1.0" encoding="utf-8"?>
 <p:sld xmlns:a="http://schemas.openxmlformats.org/drawingml/2006/main" xmlns:r="http://schemas.openxmlformats.org/officeDocument/2006/relationships" xmlns:p="http://schemas.openxmlformats.org/presentationml/2006/main">
   <p:cSld>
+    <p:bg>
+      <p:bgPr>
+        <a:solidFill>
+          <a:schemeClr val="accent2">
+            <a:lumMod val="40000"/>
+            <a:lumOff val="60000"/>
+          </a:schemeClr>
+        </a:solidFill>
+        <a:effectLst/>
+      </p:bgPr>
+    </p:bg>
     <p:spTree>
       <p:nvGrpSpPr>
         <p:cNvPr id="1" name=""/>
@@ -4421,6 +4498,17 @@
 <file path=ppt/slides/slide8.xml><?xml version="1.0" encoding="utf-8"?>
 <p:sld xmlns:a="http://schemas.openxmlformats.org/drawingml/2006/main" xmlns:r="http://schemas.openxmlformats.org/officeDocument/2006/relationships" xmlns:p="http://schemas.openxmlformats.org/presentationml/2006/main">
   <p:cSld>
+    <p:bg>
+      <p:bgPr>
+        <a:solidFill>
+          <a:schemeClr val="accent2">
+            <a:lumMod val="40000"/>
+            <a:lumOff val="60000"/>
+          </a:schemeClr>
+        </a:solidFill>
+        <a:effectLst/>
+      </p:bgPr>
+    </p:bg>
     <p:spTree>
       <p:nvGrpSpPr>
         <p:cNvPr id="1" name=""/>

--- a/Filer/Demonstration.pptx
+++ b/Filer/Demonstration.pptx
@@ -111,6 +111,11 @@
       </a:defRPr>
     </a:lvl9pPr>
   </p:defaultTextStyle>
+  <p:extLst>
+    <p:ext uri="{EFAFB233-063F-42B5-8137-9DF3F51BA10A}">
+      <p15:sldGuideLst xmlns:p15="http://schemas.microsoft.com/office/powerpoint/2012/main"/>
+    </p:ext>
+  </p:extLst>
 </p:presentation>
 </file>
 
@@ -261,7 +266,7 @@
           <a:p>
             <a:fld id="{9ADDE159-671A-4453-A32C-22B93778F8FA}" type="datetimeFigureOut">
               <a:rPr lang="da-DK" smtClean="0"/>
-              <a:t>19-05-2020</a:t>
+              <a:t>26-05-2020</a:t>
             </a:fld>
             <a:endParaRPr lang="da-DK"/>
           </a:p>
@@ -459,7 +464,7 @@
           <a:p>
             <a:fld id="{9ADDE159-671A-4453-A32C-22B93778F8FA}" type="datetimeFigureOut">
               <a:rPr lang="da-DK" smtClean="0"/>
-              <a:t>19-05-2020</a:t>
+              <a:t>26-05-2020</a:t>
             </a:fld>
             <a:endParaRPr lang="da-DK"/>
           </a:p>
@@ -667,7 +672,7 @@
           <a:p>
             <a:fld id="{9ADDE159-671A-4453-A32C-22B93778F8FA}" type="datetimeFigureOut">
               <a:rPr lang="da-DK" smtClean="0"/>
-              <a:t>19-05-2020</a:t>
+              <a:t>26-05-2020</a:t>
             </a:fld>
             <a:endParaRPr lang="da-DK"/>
           </a:p>
@@ -865,7 +870,7 @@
           <a:p>
             <a:fld id="{9ADDE159-671A-4453-A32C-22B93778F8FA}" type="datetimeFigureOut">
               <a:rPr lang="da-DK" smtClean="0"/>
-              <a:t>19-05-2020</a:t>
+              <a:t>26-05-2020</a:t>
             </a:fld>
             <a:endParaRPr lang="da-DK"/>
           </a:p>
@@ -1140,7 +1145,7 @@
           <a:p>
             <a:fld id="{9ADDE159-671A-4453-A32C-22B93778F8FA}" type="datetimeFigureOut">
               <a:rPr lang="da-DK" smtClean="0"/>
-              <a:t>19-05-2020</a:t>
+              <a:t>26-05-2020</a:t>
             </a:fld>
             <a:endParaRPr lang="da-DK"/>
           </a:p>
@@ -1405,7 +1410,7 @@
           <a:p>
             <a:fld id="{9ADDE159-671A-4453-A32C-22B93778F8FA}" type="datetimeFigureOut">
               <a:rPr lang="da-DK" smtClean="0"/>
-              <a:t>19-05-2020</a:t>
+              <a:t>26-05-2020</a:t>
             </a:fld>
             <a:endParaRPr lang="da-DK"/>
           </a:p>
@@ -1817,7 +1822,7 @@
           <a:p>
             <a:fld id="{9ADDE159-671A-4453-A32C-22B93778F8FA}" type="datetimeFigureOut">
               <a:rPr lang="da-DK" smtClean="0"/>
-              <a:t>19-05-2020</a:t>
+              <a:t>26-05-2020</a:t>
             </a:fld>
             <a:endParaRPr lang="da-DK"/>
           </a:p>
@@ -1958,7 +1963,7 @@
           <a:p>
             <a:fld id="{9ADDE159-671A-4453-A32C-22B93778F8FA}" type="datetimeFigureOut">
               <a:rPr lang="da-DK" smtClean="0"/>
-              <a:t>19-05-2020</a:t>
+              <a:t>26-05-2020</a:t>
             </a:fld>
             <a:endParaRPr lang="da-DK"/>
           </a:p>
@@ -2071,7 +2076,7 @@
           <a:p>
             <a:fld id="{9ADDE159-671A-4453-A32C-22B93778F8FA}" type="datetimeFigureOut">
               <a:rPr lang="da-DK" smtClean="0"/>
-              <a:t>19-05-2020</a:t>
+              <a:t>26-05-2020</a:t>
             </a:fld>
             <a:endParaRPr lang="da-DK"/>
           </a:p>
@@ -2382,7 +2387,7 @@
           <a:p>
             <a:fld id="{9ADDE159-671A-4453-A32C-22B93778F8FA}" type="datetimeFigureOut">
               <a:rPr lang="da-DK" smtClean="0"/>
-              <a:t>19-05-2020</a:t>
+              <a:t>26-05-2020</a:t>
             </a:fld>
             <a:endParaRPr lang="da-DK"/>
           </a:p>
@@ -2670,7 +2675,7 @@
           <a:p>
             <a:fld id="{9ADDE159-671A-4453-A32C-22B93778F8FA}" type="datetimeFigureOut">
               <a:rPr lang="da-DK" smtClean="0"/>
-              <a:t>19-05-2020</a:t>
+              <a:t>26-05-2020</a:t>
             </a:fld>
             <a:endParaRPr lang="da-DK"/>
           </a:p>
@@ -2911,7 +2916,7 @@
           <a:p>
             <a:fld id="{9ADDE159-671A-4453-A32C-22B93778F8FA}" type="datetimeFigureOut">
               <a:rPr lang="da-DK" smtClean="0"/>
-              <a:t>19-05-2020</a:t>
+              <a:t>26-05-2020</a:t>
             </a:fld>
             <a:endParaRPr lang="da-DK"/>
           </a:p>
@@ -4116,7 +4121,7 @@
         <p:spPr>
           <a:xfrm>
             <a:off x="6208486" y="994229"/>
-            <a:ext cx="3968330" cy="1754326"/>
+            <a:ext cx="4444615" cy="1754326"/>
           </a:xfrm>
           <a:prstGeom prst="rect">
             <a:avLst/>
@@ -4169,7 +4174,7 @@
             </a:pPr>
             <a:r>
               <a:rPr lang="da-DK"/>
-              <a:t>Skift status på en konfiguration og se </a:t>
+              <a:t>Skift status på en konfiguration og betragt </a:t>
             </a:r>
             <a:br>
               <a:rPr lang="da-DK"/>
